--- a/PPTs/模板.pptx
+++ b/PPTs/模板.pptx
@@ -1743,10 +1743,16 @@
         <a:lstStyle/>
         <a:p>
           <a:r>
-            <a:rPr lang="en-US" altLang="zh-CN" dirty="0"/>
+            <a:rPr lang="en-US" altLang="zh-CN" dirty="0">
+              <a:latin typeface="微软雅黑 Light" panose="020B0502040204020203" pitchFamily="34" charset="-122"/>
+              <a:ea typeface="微软雅黑 Light" panose="020B0502040204020203" pitchFamily="34" charset="-122"/>
+            </a:rPr>
             <a:t>Stage1</a:t>
           </a:r>
-          <a:endParaRPr lang="zh-CN" altLang="en-US" dirty="0"/>
+          <a:endParaRPr lang="zh-CN" altLang="en-US" dirty="0">
+            <a:latin typeface="微软雅黑 Light" panose="020B0502040204020203" pitchFamily="34" charset="-122"/>
+            <a:ea typeface="微软雅黑 Light" panose="020B0502040204020203" pitchFamily="34" charset="-122"/>
+          </a:endParaRPr>
         </a:p>
       </dgm:t>
     </dgm:pt>
@@ -1780,10 +1786,16 @@
         <a:lstStyle/>
         <a:p>
           <a:r>
-            <a:rPr lang="en-US" altLang="zh-CN" dirty="0"/>
+            <a:rPr lang="en-US" altLang="zh-CN" dirty="0">
+              <a:latin typeface="微软雅黑 Light" panose="020B0502040204020203" pitchFamily="34" charset="-122"/>
+              <a:ea typeface="微软雅黑 Light" panose="020B0502040204020203" pitchFamily="34" charset="-122"/>
+            </a:rPr>
             <a:t>Stage2</a:t>
           </a:r>
-          <a:endParaRPr lang="zh-CN" altLang="en-US" dirty="0"/>
+          <a:endParaRPr lang="zh-CN" altLang="en-US" dirty="0">
+            <a:latin typeface="微软雅黑 Light" panose="020B0502040204020203" pitchFamily="34" charset="-122"/>
+            <a:ea typeface="微软雅黑 Light" panose="020B0502040204020203" pitchFamily="34" charset="-122"/>
+          </a:endParaRPr>
         </a:p>
       </dgm:t>
     </dgm:pt>
@@ -1817,10 +1829,16 @@
         <a:lstStyle/>
         <a:p>
           <a:r>
-            <a:rPr lang="en-US" altLang="zh-CN" dirty="0"/>
+            <a:rPr lang="en-US" altLang="zh-CN" dirty="0">
+              <a:latin typeface="微软雅黑 Light" panose="020B0502040204020203" pitchFamily="34" charset="-122"/>
+              <a:ea typeface="微软雅黑 Light" panose="020B0502040204020203" pitchFamily="34" charset="-122"/>
+            </a:rPr>
             <a:t>Stage3</a:t>
           </a:r>
-          <a:endParaRPr lang="zh-CN" altLang="en-US" dirty="0"/>
+          <a:endParaRPr lang="zh-CN" altLang="en-US" dirty="0">
+            <a:latin typeface="微软雅黑 Light" panose="020B0502040204020203" pitchFamily="34" charset="-122"/>
+            <a:ea typeface="微软雅黑 Light" panose="020B0502040204020203" pitchFamily="34" charset="-122"/>
+          </a:endParaRPr>
         </a:p>
       </dgm:t>
     </dgm:pt>
@@ -1854,10 +1872,16 @@
         <a:lstStyle/>
         <a:p>
           <a:r>
-            <a:rPr lang="en-US" altLang="zh-CN" dirty="0" err="1"/>
+            <a:rPr lang="en-US" altLang="zh-CN" dirty="0" err="1">
+              <a:latin typeface="微软雅黑 Light" panose="020B0502040204020203" pitchFamily="34" charset="-122"/>
+              <a:ea typeface="微软雅黑 Light" panose="020B0502040204020203" pitchFamily="34" charset="-122"/>
+            </a:rPr>
             <a:t>stageN</a:t>
           </a:r>
-          <a:endParaRPr lang="zh-CN" altLang="en-US" dirty="0"/>
+          <a:endParaRPr lang="zh-CN" altLang="en-US" dirty="0">
+            <a:latin typeface="微软雅黑 Light" panose="020B0502040204020203" pitchFamily="34" charset="-122"/>
+            <a:ea typeface="微软雅黑 Light" panose="020B0502040204020203" pitchFamily="34" charset="-122"/>
+          </a:endParaRPr>
         </a:p>
       </dgm:t>
     </dgm:pt>
@@ -2185,22 +2209,30 @@
         <a:p>
           <a:r>
             <a:rPr lang="en-US" altLang="zh-CN" sz="2400" b="1" i="0" u="none" strike="noStrike" baseline="0" dirty="0">
-              <a:latin typeface="宋体" panose="02010600030101010101" pitchFamily="2" charset="-122"/>
+              <a:latin typeface="微软雅黑 Light" panose="020B0502040204020203" pitchFamily="34" charset="-122"/>
+              <a:ea typeface="微软雅黑 Light" panose="020B0502040204020203" pitchFamily="34" charset="-122"/>
               <a:cs typeface="宋体" panose="02010600030101010101" pitchFamily="2" charset="-122"/>
             </a:rPr>
             <a:t>title</a:t>
           </a:r>
           <a:endParaRPr lang="en-US" sz="2400" b="1" i="0" u="none" strike="noStrike" baseline="0" dirty="0">
-            <a:latin typeface="宋体" panose="02010600030101010101" pitchFamily="2" charset="-122"/>
+            <a:latin typeface="微软雅黑 Light" panose="020B0502040204020203" pitchFamily="34" charset="-122"/>
+            <a:ea typeface="微软雅黑 Light" panose="020B0502040204020203" pitchFamily="34" charset="-122"/>
             <a:cs typeface="宋体" panose="02010600030101010101" pitchFamily="2" charset="-122"/>
           </a:endParaRPr>
         </a:p>
         <a:p>
           <a:r>
-            <a:rPr lang="en-US" altLang="zh-CN" sz="2400" dirty="0"/>
+            <a:rPr lang="en-US" altLang="zh-CN" sz="2400" dirty="0">
+              <a:latin typeface="微软雅黑 Light" panose="020B0502040204020203" pitchFamily="34" charset="-122"/>
+              <a:ea typeface="微软雅黑 Light" panose="020B0502040204020203" pitchFamily="34" charset="-122"/>
+            </a:rPr>
             <a:t>Content.</a:t>
           </a:r>
-          <a:endParaRPr lang="zh-CN" sz="2400" b="1" dirty="0"/>
+          <a:endParaRPr lang="zh-CN" sz="2400" b="1" dirty="0">
+            <a:latin typeface="微软雅黑 Light" panose="020B0502040204020203" pitchFamily="34" charset="-122"/>
+            <a:ea typeface="微软雅黑 Light" panose="020B0502040204020203" pitchFamily="34" charset="-122"/>
+          </a:endParaRPr>
         </a:p>
       </dgm:t>
     </dgm:pt>
@@ -2847,10 +2879,16 @@
             <a:buNone/>
           </a:pPr>
           <a:r>
-            <a:rPr lang="en-US" altLang="zh-CN" sz="2600" kern="1200" dirty="0"/>
+            <a:rPr lang="en-US" altLang="zh-CN" sz="2600" kern="1200" dirty="0">
+              <a:latin typeface="微软雅黑 Light" panose="020B0502040204020203" pitchFamily="34" charset="-122"/>
+              <a:ea typeface="微软雅黑 Light" panose="020B0502040204020203" pitchFamily="34" charset="-122"/>
+            </a:rPr>
             <a:t>Stage1</a:t>
           </a:r>
-          <a:endParaRPr lang="zh-CN" altLang="en-US" sz="2600" kern="1200" dirty="0"/>
+          <a:endParaRPr lang="zh-CN" altLang="en-US" sz="2600" kern="1200" dirty="0">
+            <a:latin typeface="微软雅黑 Light" panose="020B0502040204020203" pitchFamily="34" charset="-122"/>
+            <a:ea typeface="微软雅黑 Light" panose="020B0502040204020203" pitchFamily="34" charset="-122"/>
+          </a:endParaRPr>
         </a:p>
       </dsp:txBody>
       <dsp:txXfrm>
@@ -3110,10 +3148,16 @@
             <a:buNone/>
           </a:pPr>
           <a:r>
-            <a:rPr lang="en-US" altLang="zh-CN" sz="2600" kern="1200" dirty="0"/>
+            <a:rPr lang="en-US" altLang="zh-CN" sz="2600" kern="1200" dirty="0">
+              <a:latin typeface="微软雅黑 Light" panose="020B0502040204020203" pitchFamily="34" charset="-122"/>
+              <a:ea typeface="微软雅黑 Light" panose="020B0502040204020203" pitchFamily="34" charset="-122"/>
+            </a:rPr>
             <a:t>Stage2</a:t>
           </a:r>
-          <a:endParaRPr lang="zh-CN" altLang="en-US" sz="2600" kern="1200" dirty="0"/>
+          <a:endParaRPr lang="zh-CN" altLang="en-US" sz="2600" kern="1200" dirty="0">
+            <a:latin typeface="微软雅黑 Light" panose="020B0502040204020203" pitchFamily="34" charset="-122"/>
+            <a:ea typeface="微软雅黑 Light" panose="020B0502040204020203" pitchFamily="34" charset="-122"/>
+          </a:endParaRPr>
         </a:p>
       </dsp:txBody>
       <dsp:txXfrm>
@@ -3373,10 +3417,16 @@
             <a:buNone/>
           </a:pPr>
           <a:r>
-            <a:rPr lang="en-US" altLang="zh-CN" sz="2600" kern="1200" dirty="0"/>
+            <a:rPr lang="en-US" altLang="zh-CN" sz="2600" kern="1200" dirty="0">
+              <a:latin typeface="微软雅黑 Light" panose="020B0502040204020203" pitchFamily="34" charset="-122"/>
+              <a:ea typeface="微软雅黑 Light" panose="020B0502040204020203" pitchFamily="34" charset="-122"/>
+            </a:rPr>
             <a:t>Stage3</a:t>
           </a:r>
-          <a:endParaRPr lang="zh-CN" altLang="en-US" sz="2600" kern="1200" dirty="0"/>
+          <a:endParaRPr lang="zh-CN" altLang="en-US" sz="2600" kern="1200" dirty="0">
+            <a:latin typeface="微软雅黑 Light" panose="020B0502040204020203" pitchFamily="34" charset="-122"/>
+            <a:ea typeface="微软雅黑 Light" panose="020B0502040204020203" pitchFamily="34" charset="-122"/>
+          </a:endParaRPr>
         </a:p>
       </dsp:txBody>
       <dsp:txXfrm>
@@ -3583,10 +3633,16 @@
             <a:buNone/>
           </a:pPr>
           <a:r>
-            <a:rPr lang="en-US" altLang="zh-CN" sz="2600" kern="1200" dirty="0" err="1"/>
+            <a:rPr lang="en-US" altLang="zh-CN" sz="2600" kern="1200" dirty="0" err="1">
+              <a:latin typeface="微软雅黑 Light" panose="020B0502040204020203" pitchFamily="34" charset="-122"/>
+              <a:ea typeface="微软雅黑 Light" panose="020B0502040204020203" pitchFamily="34" charset="-122"/>
+            </a:rPr>
             <a:t>stageN</a:t>
           </a:r>
-          <a:endParaRPr lang="zh-CN" altLang="en-US" sz="2600" kern="1200" dirty="0"/>
+          <a:endParaRPr lang="zh-CN" altLang="en-US" sz="2600" kern="1200" dirty="0">
+            <a:latin typeface="微软雅黑 Light" panose="020B0502040204020203" pitchFamily="34" charset="-122"/>
+            <a:ea typeface="微软雅黑 Light" panose="020B0502040204020203" pitchFamily="34" charset="-122"/>
+          </a:endParaRPr>
         </a:p>
       </dsp:txBody>
       <dsp:txXfrm>
@@ -3674,13 +3730,15 @@
           </a:pPr>
           <a:r>
             <a:rPr lang="en-US" altLang="zh-CN" sz="2400" b="1" i="0" u="none" strike="noStrike" kern="1200" baseline="0" dirty="0">
-              <a:latin typeface="宋体" panose="02010600030101010101" pitchFamily="2" charset="-122"/>
+              <a:latin typeface="微软雅黑 Light" panose="020B0502040204020203" pitchFamily="34" charset="-122"/>
+              <a:ea typeface="微软雅黑 Light" panose="020B0502040204020203" pitchFamily="34" charset="-122"/>
               <a:cs typeface="宋体" panose="02010600030101010101" pitchFamily="2" charset="-122"/>
             </a:rPr>
             <a:t>title</a:t>
           </a:r>
           <a:endParaRPr lang="en-US" sz="2400" b="1" i="0" u="none" strike="noStrike" kern="1200" baseline="0" dirty="0">
-            <a:latin typeface="宋体" panose="02010600030101010101" pitchFamily="2" charset="-122"/>
+            <a:latin typeface="微软雅黑 Light" panose="020B0502040204020203" pitchFamily="34" charset="-122"/>
+            <a:ea typeface="微软雅黑 Light" panose="020B0502040204020203" pitchFamily="34" charset="-122"/>
             <a:cs typeface="宋体" panose="02010600030101010101" pitchFamily="2" charset="-122"/>
           </a:endParaRPr>
         </a:p>
@@ -3698,10 +3756,16 @@
             <a:buNone/>
           </a:pPr>
           <a:r>
-            <a:rPr lang="en-US" altLang="zh-CN" sz="2400" kern="1200" dirty="0"/>
+            <a:rPr lang="en-US" altLang="zh-CN" sz="2400" kern="1200" dirty="0">
+              <a:latin typeface="微软雅黑 Light" panose="020B0502040204020203" pitchFamily="34" charset="-122"/>
+              <a:ea typeface="微软雅黑 Light" panose="020B0502040204020203" pitchFamily="34" charset="-122"/>
+            </a:rPr>
             <a:t>Content.</a:t>
           </a:r>
-          <a:endParaRPr lang="zh-CN" sz="2400" b="1" kern="1200" dirty="0"/>
+          <a:endParaRPr lang="zh-CN" sz="2400" b="1" kern="1200" dirty="0">
+            <a:latin typeface="微软雅黑 Light" panose="020B0502040204020203" pitchFamily="34" charset="-122"/>
+            <a:ea typeface="微软雅黑 Light" panose="020B0502040204020203" pitchFamily="34" charset="-122"/>
+          </a:endParaRPr>
         </a:p>
       </dsp:txBody>
       <dsp:txXfrm>
@@ -7037,7 +7101,7 @@
           <a:p>
             <a:fld id="{0C0E42BC-8A47-448F-A68A-F4ACF20E9984}" type="datetimeFigureOut">
               <a:rPr lang="en-US" smtClean="0"/>
-              <a:t>11/2/2021</a:t>
+              <a:t>1/12/2022</a:t>
             </a:fld>
             <a:endParaRPr lang="zh-CN"/>
           </a:p>
@@ -9419,7 +9483,7 @@
           <a:p>
             <a:fld id="{94553CC9-D22E-49DB-A511-08248B44581F}" type="datetimeFigureOut">
               <a:rPr lang="en-US" smtClean="0"/>
-              <a:t>11/2/2021</a:t>
+              <a:t>1/12/2022</a:t>
             </a:fld>
             <a:endParaRPr lang="en-US"/>
           </a:p>
@@ -11700,18 +11764,21 @@
           <a:p>
             <a:pPr algn="ctr"/>
             <a:r>
-              <a:rPr lang="en-US" altLang="zh-CN" sz="8000" dirty="0">
+              <a:rPr lang="en-US" altLang="zh-CN" sz="8000" b="1" dirty="0">
                 <a:solidFill>
                   <a:srgbClr val="FFFFFF"/>
                 </a:solidFill>
-                <a:latin typeface="宋体" panose="02010600030101010101" pitchFamily="2" charset="-122"/>
+                <a:latin typeface="微软雅黑 Light" panose="020B0502040204020203" pitchFamily="34" charset="-122"/>
+                <a:ea typeface="微软雅黑 Light" panose="020B0502040204020203" pitchFamily="34" charset="-122"/>
               </a:rPr>
               <a:t>sub</a:t>
             </a:r>
-            <a:endParaRPr lang="zh-CN" sz="8000" dirty="0">
+            <a:endParaRPr lang="zh-CN" sz="8000" b="1" dirty="0">
               <a:solidFill>
                 <a:srgbClr val="FFFFFF"/>
               </a:solidFill>
+              <a:latin typeface="微软雅黑 Light" panose="020B0502040204020203" pitchFamily="34" charset="-122"/>
+              <a:ea typeface="微软雅黑 Light" panose="020B0502040204020203" pitchFamily="34" charset="-122"/>
             </a:endParaRPr>
           </a:p>
         </p:txBody>
@@ -11749,8 +11816,8 @@
                 <a:solidFill>
                   <a:srgbClr val="FFD966"/>
                 </a:solidFill>
-                <a:latin typeface="宋体" panose="02010600030101010101" pitchFamily="2" charset="-122"/>
-                <a:ea typeface="宋体" panose="02010600030101010101" pitchFamily="2" charset="-122"/>
+                <a:latin typeface="微软雅黑" panose="020B0503020204020204" pitchFamily="34" charset="-122"/>
+                <a:ea typeface="微软雅黑" panose="020B0503020204020204" pitchFamily="34" charset="-122"/>
                 <a:cs typeface="宋体" panose="02010600030101010101" pitchFamily="2" charset="-122"/>
                 <a:sym typeface="Calibri" panose="020F0502020204030204"/>
               </a:rPr>
@@ -11760,8 +11827,8 @@
               <a:solidFill>
                 <a:srgbClr val="FFD966"/>
               </a:solidFill>
-              <a:latin typeface="宋体" panose="02010600030101010101" pitchFamily="2" charset="-122"/>
-              <a:ea typeface="宋体" panose="02010600030101010101" pitchFamily="2" charset="-122"/>
+              <a:latin typeface="微软雅黑" panose="020B0503020204020204" pitchFamily="34" charset="-122"/>
+              <a:ea typeface="微软雅黑" panose="020B0503020204020204" pitchFamily="34" charset="-122"/>
               <a:cs typeface="宋体" panose="02010600030101010101" pitchFamily="2" charset="-122"/>
               <a:sym typeface="Calibri" panose="020F0502020204030204"/>
             </a:endParaRPr>
@@ -11851,7 +11918,7 @@
         <p:spPr>
           <a:xfrm>
             <a:off x="9989292" y="4183930"/>
-            <a:ext cx="12700000" cy="1754326"/>
+            <a:ext cx="12700000" cy="1938992"/>
           </a:xfrm>
           <a:prstGeom prst="rect">
             <a:avLst/>
@@ -11884,19 +11951,22 @@
               </a:spcAft>
             </a:pPr>
             <a:r>
-              <a:rPr lang="en-US" sz="2800" kern="0" dirty="0">
+              <a:rPr lang="en-US" sz="3200" kern="0" dirty="0">
                 <a:solidFill>
                   <a:srgbClr val="000000"/>
                 </a:solidFill>
-                <a:latin typeface="宋体" panose="02010600030101010101" pitchFamily="2" charset="-122"/>
+                <a:latin typeface="微软雅黑 Light" panose="020B0502040204020203" pitchFamily="34" charset="-122"/>
+                <a:ea typeface="微软雅黑 Light" panose="020B0502040204020203" pitchFamily="34" charset="-122"/>
                 <a:cs typeface="宋体" panose="02010600030101010101" pitchFamily="2" charset="-122"/>
               </a:rPr>
               <a:t>title：</a:t>
             </a:r>
-            <a:endParaRPr lang="zh-CN" sz="2800" kern="0" dirty="0">
+            <a:endParaRPr lang="zh-CN" sz="3200" kern="0" dirty="0">
               <a:solidFill>
                 <a:srgbClr val="000000"/>
               </a:solidFill>
+              <a:latin typeface="微软雅黑 Light" panose="020B0502040204020203" pitchFamily="34" charset="-122"/>
+              <a:ea typeface="微软雅黑 Light" panose="020B0502040204020203" pitchFamily="34" charset="-122"/>
             </a:endParaRPr>
           </a:p>
           <a:p>
@@ -11911,19 +11981,22 @@
               <a:buChar char="•"/>
             </a:pPr>
             <a:r>
-              <a:rPr lang="en-US" sz="2800" kern="0" dirty="0">
+              <a:rPr lang="en-US" sz="3200" kern="0" dirty="0">
                 <a:solidFill>
                   <a:srgbClr val="000000"/>
                 </a:solidFill>
-                <a:latin typeface="宋体" panose="02010600030101010101" pitchFamily="2" charset="-122"/>
+                <a:latin typeface="微软雅黑 Light" panose="020B0502040204020203" pitchFamily="34" charset="-122"/>
+                <a:ea typeface="微软雅黑 Light" panose="020B0502040204020203" pitchFamily="34" charset="-122"/>
                 <a:cs typeface="宋体" panose="02010600030101010101" pitchFamily="2" charset="-122"/>
               </a:rPr>
               <a:t>list</a:t>
             </a:r>
-            <a:endParaRPr lang="zh-CN" sz="2800" kern="0" dirty="0">
+            <a:endParaRPr lang="zh-CN" sz="3200" kern="0" dirty="0">
               <a:solidFill>
                 <a:srgbClr val="000000"/>
               </a:solidFill>
+              <a:latin typeface="微软雅黑 Light" panose="020B0502040204020203" pitchFamily="34" charset="-122"/>
+              <a:ea typeface="微软雅黑 Light" panose="020B0502040204020203" pitchFamily="34" charset="-122"/>
             </a:endParaRPr>
           </a:p>
           <a:p>
@@ -11937,10 +12010,12 @@
               <a:buFont typeface="Arial" panose="020B0604020202020204" pitchFamily="34" charset="0"/>
               <a:buChar char="•"/>
             </a:pPr>
-            <a:endParaRPr lang="zh-CN" sz="2800" kern="0" dirty="0">
+            <a:endParaRPr lang="zh-CN" sz="3200" kern="0" dirty="0">
               <a:solidFill>
                 <a:srgbClr val="000000"/>
               </a:solidFill>
+              <a:latin typeface="微软雅黑 Light" panose="020B0502040204020203" pitchFamily="34" charset="-122"/>
+              <a:ea typeface="微软雅黑 Light" panose="020B0502040204020203" pitchFamily="34" charset="-122"/>
             </a:endParaRPr>
           </a:p>
         </p:txBody>
@@ -11984,7 +12059,8 @@
                 <a:solidFill>
                   <a:srgbClr val="000000"/>
                 </a:solidFill>
-                <a:latin typeface="宋体" panose="02010600030101010101" pitchFamily="2" charset="-122"/>
+                <a:latin typeface="微软雅黑" panose="020B0503020204020204" pitchFamily="34" charset="-122"/>
+                <a:ea typeface="微软雅黑" panose="020B0503020204020204" pitchFamily="34" charset="-122"/>
                 <a:cs typeface="宋体" panose="02010600030101010101" pitchFamily="2" charset="-122"/>
               </a:rPr>
               <a:t>exercise：</a:t>
@@ -11994,7 +12070,8 @@
                 <a:solidFill>
                   <a:srgbClr val="000000"/>
                 </a:solidFill>
-                <a:latin typeface="宋体" panose="02010600030101010101" pitchFamily="2" charset="-122"/>
+                <a:latin typeface="微软雅黑" panose="020B0503020204020204" pitchFamily="34" charset="-122"/>
+                <a:ea typeface="微软雅黑" panose="020B0503020204020204" pitchFamily="34" charset="-122"/>
                 <a:cs typeface="宋体" panose="02010600030101010101" pitchFamily="2" charset="-122"/>
               </a:rPr>
             </a:br>
@@ -12003,7 +12080,8 @@
                 <a:solidFill>
                   <a:srgbClr val="000000"/>
                 </a:solidFill>
-                <a:latin typeface="宋体" panose="02010600030101010101" pitchFamily="2" charset="-122"/>
+                <a:latin typeface="微软雅黑" panose="020B0503020204020204" pitchFamily="34" charset="-122"/>
+                <a:ea typeface="微软雅黑" panose="020B0503020204020204" pitchFamily="34" charset="-122"/>
                 <a:cs typeface="宋体" panose="02010600030101010101" pitchFamily="2" charset="-122"/>
               </a:rPr>
               <a:t>content</a:t>
@@ -12012,6 +12090,8 @@
               <a:solidFill>
                 <a:srgbClr val="000000"/>
               </a:solidFill>
+              <a:latin typeface="微软雅黑" panose="020B0503020204020204" pitchFamily="34" charset="-122"/>
+              <a:ea typeface="微软雅黑" panose="020B0503020204020204" pitchFamily="34" charset="-122"/>
             </a:endParaRPr>
           </a:p>
         </p:txBody>
@@ -12025,17 +12105,9 @@
           <p:nvPr/>
         </p:nvPicPr>
         <p:blipFill rotWithShape="1">
-          <a:blip r:embed="rId3" cstate="print">
-            <a:extLst>
-              <a:ext uri="{28A0092B-C50C-407E-A947-70E740481C1C}">
-                <a14:useLocalDpi xmlns:a14="http://schemas.microsoft.com/office/drawing/2010/main" val="0"/>
-              </a:ext>
-            </a:extLst>
-          </a:blip>
-          <a:srcRect l="16436" t="8536" r="16029" b="30822"/>
-          <a:stretch>
-            <a:fillRect/>
-          </a:stretch>
+          <a:blip r:embed="rId3"/>
+          <a:srcRect l="1060" r="1060"/>
+          <a:stretch/>
         </p:blipFill>
         <p:spPr>
           <a:xfrm>
@@ -12140,7 +12212,7 @@
         <p:spPr>
           <a:xfrm>
             <a:off x="2706624" y="4937760"/>
-            <a:ext cx="7104888" cy="533479"/>
+            <a:ext cx="7104888" cy="595035"/>
           </a:xfrm>
           <a:prstGeom prst="rect">
             <a:avLst/>
@@ -12173,16 +12245,19 @@
               </a:spcAft>
             </a:pPr>
             <a:r>
-              <a:rPr lang="en-US" sz="2800" dirty="0">
-                <a:latin typeface="宋体" panose="02010600030101010101" pitchFamily="2" charset="-122"/>
+              <a:rPr lang="en-US" sz="3200" dirty="0">
+                <a:latin typeface="微软雅黑" panose="020B0503020204020204" pitchFamily="34" charset="-122"/>
+                <a:ea typeface="微软雅黑" panose="020B0503020204020204" pitchFamily="34" charset="-122"/>
                 <a:cs typeface="宋体" panose="02010600030101010101" pitchFamily="2" charset="-122"/>
               </a:rPr>
               <a:t>content</a:t>
             </a:r>
-            <a:endParaRPr lang="zh-CN" sz="2800" kern="0" dirty="0">
+            <a:endParaRPr lang="zh-CN" sz="3200" kern="0" dirty="0">
               <a:solidFill>
                 <a:srgbClr val="000000"/>
               </a:solidFill>
+              <a:latin typeface="微软雅黑" panose="020B0503020204020204" pitchFamily="34" charset="-122"/>
+              <a:ea typeface="微软雅黑" panose="020B0503020204020204" pitchFamily="34" charset="-122"/>
             </a:endParaRPr>
           </a:p>
         </p:txBody>
@@ -12226,6 +12301,8 @@
                 <a:solidFill>
                   <a:srgbClr val="000000"/>
                 </a:solidFill>
+                <a:latin typeface="微软雅黑" panose="020B0503020204020204" pitchFamily="34" charset="-122"/>
+                <a:ea typeface="微软雅黑" panose="020B0503020204020204" pitchFamily="34" charset="-122"/>
               </a:rPr>
               <a:t>Intro</a:t>
             </a:r>
@@ -12233,6 +12310,8 @@
               <a:solidFill>
                 <a:srgbClr val="000000"/>
               </a:solidFill>
+              <a:latin typeface="微软雅黑" panose="020B0503020204020204" pitchFamily="34" charset="-122"/>
+              <a:ea typeface="微软雅黑" panose="020B0503020204020204" pitchFamily="34" charset="-122"/>
             </a:endParaRPr>
           </a:p>
         </p:txBody>
@@ -12294,17 +12373,9 @@
           <p:nvPr/>
         </p:nvPicPr>
         <p:blipFill rotWithShape="1">
-          <a:blip r:embed="rId3" cstate="print">
-            <a:extLst>
-              <a:ext uri="{28A0092B-C50C-407E-A947-70E740481C1C}">
-                <a14:useLocalDpi xmlns:a14="http://schemas.microsoft.com/office/drawing/2010/main" val="0"/>
-              </a:ext>
-            </a:extLst>
-          </a:blip>
-          <a:srcRect l="16436" t="8536" r="16029" b="30822"/>
-          <a:stretch>
-            <a:fillRect/>
-          </a:stretch>
+          <a:blip r:embed="rId3"/>
+          <a:srcRect l="1060" r="1060"/>
+          <a:stretch/>
         </p:blipFill>
         <p:spPr>
           <a:xfrm>
@@ -12351,7 +12422,7 @@
         <p:spPr>
           <a:xfrm>
             <a:off x="1752108" y="1187693"/>
-            <a:ext cx="1721625" cy="872034"/>
+            <a:ext cx="1837041" cy="872034"/>
           </a:xfrm>
           <a:prstGeom prst="rect">
             <a:avLst/>
@@ -12380,7 +12451,8 @@
                 <a:solidFill>
                   <a:srgbClr val="000000"/>
                 </a:solidFill>
-                <a:latin typeface="宋体" panose="02010600030101010101" pitchFamily="2" charset="-122"/>
+                <a:latin typeface="微软雅黑" panose="020B0503020204020204" pitchFamily="34" charset="-122"/>
+                <a:ea typeface="微软雅黑" panose="020B0503020204020204" pitchFamily="34" charset="-122"/>
                 <a:cs typeface="宋体" panose="02010600030101010101" pitchFamily="2" charset="-122"/>
               </a:rPr>
               <a:t>title</a:t>
@@ -12389,6 +12461,8 @@
               <a:solidFill>
                 <a:srgbClr val="000000"/>
               </a:solidFill>
+              <a:latin typeface="微软雅黑" panose="020B0503020204020204" pitchFamily="34" charset="-122"/>
+              <a:ea typeface="微软雅黑" panose="020B0503020204020204" pitchFamily="34" charset="-122"/>
             </a:endParaRPr>
           </a:p>
         </p:txBody>
@@ -12402,7 +12476,7 @@
         <p:spPr>
           <a:xfrm>
             <a:off x="1752109" y="4766538"/>
-            <a:ext cx="8509002" cy="2364750"/>
+            <a:ext cx="8509002" cy="2610971"/>
           </a:xfrm>
           <a:prstGeom prst="rect">
             <a:avLst/>
@@ -12435,18 +12509,21 @@
               </a:spcAft>
             </a:pPr>
             <a:r>
-              <a:rPr lang="en-US" altLang="zh-CN" sz="2800" dirty="0">
+              <a:rPr lang="en-US" altLang="zh-CN" sz="3200" dirty="0">
                 <a:solidFill>
                   <a:srgbClr val="000000"/>
                 </a:solidFill>
-                <a:latin typeface="宋体" panose="02010600030101010101" pitchFamily="2" charset="-122"/>
+                <a:latin typeface="微软雅黑 Light" panose="020B0502040204020203" pitchFamily="34" charset="-122"/>
+                <a:ea typeface="微软雅黑 Light" panose="020B0502040204020203" pitchFamily="34" charset="-122"/>
               </a:rPr>
               <a:t>title</a:t>
             </a:r>
-            <a:endParaRPr lang="zh-CN" sz="2800" dirty="0">
+            <a:endParaRPr lang="zh-CN" sz="3200" dirty="0">
               <a:solidFill>
                 <a:srgbClr val="000000"/>
               </a:solidFill>
+              <a:latin typeface="微软雅黑 Light" panose="020B0502040204020203" pitchFamily="34" charset="-122"/>
+              <a:ea typeface="微软雅黑 Light" panose="020B0502040204020203" pitchFamily="34" charset="-122"/>
             </a:endParaRPr>
           </a:p>
           <a:p>
@@ -12461,11 +12538,12 @@
               <a:buChar char="•"/>
             </a:pPr>
             <a:r>
-              <a:rPr lang="en-US" sz="2800" dirty="0">
+              <a:rPr lang="en-US" sz="3200" dirty="0">
                 <a:solidFill>
                   <a:srgbClr val="000000"/>
                 </a:solidFill>
-                <a:latin typeface="宋体" panose="02010600030101010101" pitchFamily="2" charset="-122"/>
+                <a:latin typeface="微软雅黑 Light" panose="020B0502040204020203" pitchFamily="34" charset="-122"/>
+                <a:ea typeface="微软雅黑 Light" panose="020B0502040204020203" pitchFamily="34" charset="-122"/>
                 <a:cs typeface="宋体" panose="02010600030101010101" pitchFamily="2" charset="-122"/>
               </a:rPr>
               <a:t>list</a:t>
@@ -12482,10 +12560,12 @@
               <a:buFont typeface="Arial" panose="020B0604020202020204" pitchFamily="34" charset="0"/>
               <a:buChar char="•"/>
             </a:pPr>
-            <a:endParaRPr lang="zh-CN" sz="2800" dirty="0">
+            <a:endParaRPr lang="zh-CN" sz="3200" dirty="0">
               <a:solidFill>
                 <a:srgbClr val="000000"/>
               </a:solidFill>
+              <a:latin typeface="微软雅黑 Light" panose="020B0502040204020203" pitchFamily="34" charset="-122"/>
+              <a:ea typeface="微软雅黑 Light" panose="020B0502040204020203" pitchFamily="34" charset="-122"/>
             </a:endParaRPr>
           </a:p>
           <a:p>
@@ -12499,10 +12579,12 @@
               <a:buFont typeface="Arial" panose="020B0604020202020204" pitchFamily="34" charset="0"/>
               <a:buChar char="•"/>
             </a:pPr>
-            <a:endParaRPr lang="zh-CN" sz="2800" dirty="0">
+            <a:endParaRPr lang="zh-CN" sz="3200" dirty="0">
               <a:solidFill>
                 <a:srgbClr val="000000"/>
               </a:solidFill>
+              <a:latin typeface="微软雅黑 Light" panose="020B0502040204020203" pitchFamily="34" charset="-122"/>
+              <a:ea typeface="微软雅黑 Light" panose="020B0502040204020203" pitchFamily="34" charset="-122"/>
             </a:endParaRPr>
           </a:p>
         </p:txBody>
@@ -12516,7 +12598,7 @@
         <p:spPr>
           <a:xfrm>
             <a:off x="13454825" y="3658325"/>
-            <a:ext cx="1393010" cy="718145"/>
+            <a:ext cx="940963" cy="718145"/>
           </a:xfrm>
           <a:prstGeom prst="rect">
             <a:avLst/>
@@ -12548,7 +12630,8 @@
                     <a:lumOff val="50000"/>
                   </a:srgbClr>
                 </a:solidFill>
-                <a:latin typeface="宋体" panose="02010600030101010101" pitchFamily="2" charset="-122"/>
+                <a:latin typeface="微软雅黑 Light" panose="020B0502040204020203" pitchFamily="34" charset="-122"/>
+                <a:ea typeface="微软雅黑 Light" panose="020B0502040204020203" pitchFamily="34" charset="-122"/>
                 <a:cs typeface="宋体" panose="02010600030101010101" pitchFamily="2" charset="-122"/>
               </a:rPr>
               <a:t>title</a:t>
@@ -12560,6 +12643,8 @@
                   <a:lumOff val="50000"/>
                 </a:srgbClr>
               </a:solidFill>
+              <a:latin typeface="微软雅黑 Light" panose="020B0502040204020203" pitchFamily="34" charset="-122"/>
+              <a:ea typeface="微软雅黑 Light" panose="020B0502040204020203" pitchFamily="34" charset="-122"/>
             </a:endParaRPr>
           </a:p>
         </p:txBody>
@@ -12573,7 +12658,7 @@
         <p:spPr>
           <a:xfrm>
             <a:off x="13454825" y="4766538"/>
-            <a:ext cx="8509002" cy="1195199"/>
+            <a:ext cx="8509002" cy="1318310"/>
           </a:xfrm>
           <a:prstGeom prst="rect">
             <a:avLst/>
@@ -12606,18 +12691,21 @@
               </a:spcAft>
             </a:pPr>
             <a:r>
-              <a:rPr lang="en-US" altLang="zh-CN" sz="2800" dirty="0">
+              <a:rPr lang="en-US" altLang="zh-CN" sz="3200" dirty="0">
                 <a:solidFill>
                   <a:srgbClr val="000000"/>
                 </a:solidFill>
-                <a:latin typeface="宋体" panose="02010600030101010101" pitchFamily="2" charset="-122"/>
+                <a:latin typeface="微软雅黑 Light" panose="020B0502040204020203" pitchFamily="34" charset="-122"/>
+                <a:ea typeface="微软雅黑 Light" panose="020B0502040204020203" pitchFamily="34" charset="-122"/>
               </a:rPr>
               <a:t>title</a:t>
             </a:r>
-            <a:endParaRPr lang="zh-CN" sz="2800" dirty="0">
+            <a:endParaRPr lang="zh-CN" sz="3200" dirty="0">
               <a:solidFill>
                 <a:srgbClr val="000000"/>
               </a:solidFill>
+              <a:latin typeface="微软雅黑 Light" panose="020B0502040204020203" pitchFamily="34" charset="-122"/>
+              <a:ea typeface="微软雅黑 Light" panose="020B0502040204020203" pitchFamily="34" charset="-122"/>
             </a:endParaRPr>
           </a:p>
           <a:p>
@@ -12632,11 +12720,12 @@
               <a:buChar char="•"/>
             </a:pPr>
             <a:r>
-              <a:rPr lang="en-US" sz="2800" dirty="0">
+              <a:rPr lang="en-US" sz="3200" dirty="0">
                 <a:solidFill>
                   <a:srgbClr val="000000"/>
                 </a:solidFill>
-                <a:latin typeface="宋体" panose="02010600030101010101" pitchFamily="2" charset="-122"/>
+                <a:latin typeface="微软雅黑 Light" panose="020B0502040204020203" pitchFamily="34" charset="-122"/>
+                <a:ea typeface="微软雅黑 Light" panose="020B0502040204020203" pitchFamily="34" charset="-122"/>
                 <a:cs typeface="宋体" panose="02010600030101010101" pitchFamily="2" charset="-122"/>
               </a:rPr>
               <a:t>list</a:t>
@@ -12653,7 +12742,7 @@
         <p:spPr>
           <a:xfrm>
             <a:off x="1752109" y="3658325"/>
-            <a:ext cx="1393010" cy="718145"/>
+            <a:ext cx="940963" cy="718145"/>
           </a:xfrm>
           <a:prstGeom prst="rect">
             <a:avLst/>
@@ -12685,7 +12774,8 @@
                     <a:lumOff val="50000"/>
                   </a:srgbClr>
                 </a:solidFill>
-                <a:latin typeface="宋体" panose="02010600030101010101" pitchFamily="2" charset="-122"/>
+                <a:latin typeface="微软雅黑 Light" panose="020B0502040204020203" pitchFamily="34" charset="-122"/>
+                <a:ea typeface="微软雅黑 Light" panose="020B0502040204020203" pitchFamily="34" charset="-122"/>
                 <a:cs typeface="宋体" panose="02010600030101010101" pitchFamily="2" charset="-122"/>
               </a:rPr>
               <a:t>title</a:t>
@@ -12697,6 +12787,8 @@
                   <a:lumOff val="50000"/>
                 </a:srgbClr>
               </a:solidFill>
+              <a:latin typeface="微软雅黑 Light" panose="020B0502040204020203" pitchFamily="34" charset="-122"/>
+              <a:ea typeface="微软雅黑 Light" panose="020B0502040204020203" pitchFamily="34" charset="-122"/>
             </a:endParaRPr>
           </a:p>
         </p:txBody>
@@ -12806,17 +12898,9 @@
           <p:nvPr/>
         </p:nvPicPr>
         <p:blipFill rotWithShape="1">
-          <a:blip r:embed="rId3" cstate="print">
-            <a:extLst>
-              <a:ext uri="{28A0092B-C50C-407E-A947-70E740481C1C}">
-                <a14:useLocalDpi xmlns:a14="http://schemas.microsoft.com/office/drawing/2010/main" val="0"/>
-              </a:ext>
-            </a:extLst>
-          </a:blip>
-          <a:srcRect l="16436" t="8536" r="16029" b="30822"/>
-          <a:stretch>
-            <a:fillRect/>
-          </a:stretch>
+          <a:blip r:embed="rId3"/>
+          <a:srcRect l="1060" r="1060"/>
+          <a:stretch/>
         </p:blipFill>
         <p:spPr>
           <a:xfrm>
@@ -12900,13 +12984,17 @@
           <a:p>
             <a:pPr algn="ctr" defTabSz="825500" hangingPunct="0"/>
             <a:r>
-              <a:rPr lang="en-US" sz="6000" dirty="0">
-                <a:latin typeface="宋体" panose="02010600030101010101" pitchFamily="2" charset="-122"/>
+              <a:rPr lang="en-US" sz="6000" b="1" dirty="0">
+                <a:latin typeface="微软雅黑 Light" panose="020B0502040204020203" pitchFamily="34" charset="-122"/>
+                <a:ea typeface="微软雅黑 Light" panose="020B0502040204020203" pitchFamily="34" charset="-122"/>
                 <a:cs typeface="宋体" panose="02010600030101010101" pitchFamily="2" charset="-122"/>
               </a:rPr>
               <a:t>sub</a:t>
             </a:r>
-            <a:endParaRPr lang="zh-CN" sz="6000" dirty="0"/>
+            <a:endParaRPr lang="zh-CN" sz="6000" b="1" dirty="0">
+              <a:latin typeface="微软雅黑 Light" panose="020B0502040204020203" pitchFamily="34" charset="-122"/>
+              <a:ea typeface="微软雅黑 Light" panose="020B0502040204020203" pitchFamily="34" charset="-122"/>
+            </a:endParaRPr>
           </a:p>
         </p:txBody>
       </p:sp>
@@ -12918,8 +13006,8 @@
         </p:nvSpPr>
         <p:spPr>
           <a:xfrm>
-            <a:off x="11017817" y="5638703"/>
-            <a:ext cx="2348400" cy="1333698"/>
+            <a:off x="10710843" y="5638703"/>
+            <a:ext cx="2962349" cy="1333698"/>
           </a:xfrm>
           <a:prstGeom prst="rect">
             <a:avLst/>
@@ -12952,7 +13040,8 @@
                 <a:solidFill>
                   <a:srgbClr val="FFD966"/>
                 </a:solidFill>
-                <a:latin typeface="宋体" panose="02010600030101010101" pitchFamily="2" charset="-122"/>
+                <a:latin typeface="微软雅黑" panose="020B0503020204020204" pitchFamily="34" charset="-122"/>
+                <a:ea typeface="微软雅黑" panose="020B0503020204020204" pitchFamily="34" charset="-122"/>
                 <a:cs typeface="宋体" panose="02010600030101010101" pitchFamily="2" charset="-122"/>
               </a:rPr>
               <a:t>ch1</a:t>
@@ -12961,6 +13050,8 @@
               <a:solidFill>
                 <a:srgbClr val="FFD966"/>
               </a:solidFill>
+              <a:latin typeface="微软雅黑" panose="020B0503020204020204" pitchFamily="34" charset="-122"/>
+              <a:ea typeface="微软雅黑" panose="020B0503020204020204" pitchFamily="34" charset="-122"/>
             </a:endParaRPr>
           </a:p>
         </p:txBody>
@@ -13085,7 +13176,8 @@
                 <a:solidFill>
                   <a:srgbClr val="000000"/>
                 </a:solidFill>
-                <a:latin typeface="宋体" panose="02010600030101010101" pitchFamily="2" charset="-122"/>
+                <a:latin typeface="微软雅黑" panose="020B0503020204020204" pitchFamily="34" charset="-122"/>
+                <a:ea typeface="微软雅黑" panose="020B0503020204020204" pitchFamily="34" charset="-122"/>
                 <a:cs typeface="宋体" panose="02010600030101010101" pitchFamily="2" charset="-122"/>
               </a:rPr>
               <a:t>title</a:t>
@@ -13094,6 +13186,8 @@
               <a:solidFill>
                 <a:srgbClr val="000000"/>
               </a:solidFill>
+              <a:latin typeface="微软雅黑" panose="020B0503020204020204" pitchFamily="34" charset="-122"/>
+              <a:ea typeface="微软雅黑" panose="020B0503020204020204" pitchFamily="34" charset="-122"/>
             </a:endParaRPr>
           </a:p>
         </p:txBody>
@@ -13107,7 +13201,7 @@
         <p:spPr>
           <a:xfrm>
             <a:off x="1752107" y="6041885"/>
-            <a:ext cx="9326880" cy="1272143"/>
+            <a:ext cx="9326880" cy="1395254"/>
           </a:xfrm>
           <a:prstGeom prst="rect">
             <a:avLst/>
@@ -13140,11 +13234,12 @@
               </a:spcAft>
             </a:pPr>
             <a:r>
-              <a:rPr lang="en-US" sz="2800" kern="0" dirty="0">
+              <a:rPr lang="en-US" sz="3200" kern="0" dirty="0">
                 <a:solidFill>
                   <a:srgbClr val="000000"/>
                 </a:solidFill>
-                <a:latin typeface="宋体" panose="02010600030101010101" pitchFamily="2" charset="-122"/>
+                <a:latin typeface="微软雅黑 Light" panose="020B0502040204020203" pitchFamily="34" charset="-122"/>
+                <a:ea typeface="微软雅黑 Light" panose="020B0502040204020203" pitchFamily="34" charset="-122"/>
                 <a:cs typeface="宋体" panose="02010600030101010101" pitchFamily="2" charset="-122"/>
               </a:rPr>
               <a:t>title</a:t>
@@ -13162,16 +13257,19 @@
               <a:buChar char="•"/>
             </a:pPr>
             <a:r>
-              <a:rPr lang="en-US" sz="2800" dirty="0">
-                <a:latin typeface="宋体" panose="02010600030101010101" pitchFamily="2" charset="-122"/>
+              <a:rPr lang="en-US" sz="3200" dirty="0">
+                <a:latin typeface="微软雅黑 Light" panose="020B0502040204020203" pitchFamily="34" charset="-122"/>
+                <a:ea typeface="微软雅黑 Light" panose="020B0502040204020203" pitchFamily="34" charset="-122"/>
                 <a:cs typeface="宋体" panose="02010600030101010101" pitchFamily="2" charset="-122"/>
               </a:rPr>
               <a:t>list</a:t>
             </a:r>
-            <a:endParaRPr lang="zh-CN" sz="2800" kern="0" dirty="0">
+            <a:endParaRPr lang="zh-CN" sz="3200" kern="0" dirty="0">
               <a:solidFill>
                 <a:srgbClr val="000000"/>
               </a:solidFill>
+              <a:latin typeface="微软雅黑 Light" panose="020B0502040204020203" pitchFamily="34" charset="-122"/>
+              <a:ea typeface="微软雅黑 Light" panose="020B0502040204020203" pitchFamily="34" charset="-122"/>
             </a:endParaRPr>
           </a:p>
         </p:txBody>
@@ -13233,17 +13331,9 @@
           <p:nvPr/>
         </p:nvPicPr>
         <p:blipFill rotWithShape="1">
-          <a:blip r:embed="rId3" cstate="print">
-            <a:extLst>
-              <a:ext uri="{28A0092B-C50C-407E-A947-70E740481C1C}">
-                <a14:useLocalDpi xmlns:a14="http://schemas.microsoft.com/office/drawing/2010/main" val="0"/>
-              </a:ext>
-            </a:extLst>
-          </a:blip>
-          <a:srcRect l="16436" t="8536" r="16029" b="30822"/>
-          <a:stretch>
-            <a:fillRect/>
-          </a:stretch>
+          <a:blip r:embed="rId3"/>
+          <a:srcRect l="1060" r="1060"/>
+          <a:stretch/>
         </p:blipFill>
         <p:spPr>
           <a:xfrm>
@@ -13253,6 +13343,38 @@
           <a:prstGeom prst="rect">
             <a:avLst/>
           </a:prstGeom>
+        </p:spPr>
+      </p:pic>
+      <p:pic>
+        <p:nvPicPr>
+          <p:cNvPr id="8" name="Picture 5" descr="C:\Users\ZhaoShuai\Desktop\UE5_Logo.pngUE5_Logo">
+            <a:extLst>
+              <a:ext uri="{FF2B5EF4-FFF2-40B4-BE49-F238E27FC236}">
+                <a16:creationId xmlns:a16="http://schemas.microsoft.com/office/drawing/2014/main" id="{31705ACD-4A3A-415E-84C7-1157305D6873}"/>
+              </a:ext>
+            </a:extLst>
+          </p:cNvPr>
+          <p:cNvPicPr>
+            <a:picLocks noChangeAspect="1"/>
+          </p:cNvPicPr>
+          <p:nvPr/>
+        </p:nvPicPr>
+        <p:blipFill>
+          <a:blip r:embed="rId4"/>
+          <a:srcRect/>
+          <a:stretch>
+            <a:fillRect/>
+          </a:stretch>
+        </p:blipFill>
+        <p:spPr>
+          <a:xfrm>
+            <a:off x="21758275" y="11090275"/>
+            <a:ext cx="2625725" cy="2625725"/>
+          </a:xfrm>
+          <a:prstGeom prst="rect">
+            <a:avLst/>
+          </a:prstGeom>
+          <a:noFill/>
         </p:spPr>
       </p:pic>
     </p:spTree>
@@ -13290,17 +13412,9 @@
           <p:nvPr/>
         </p:nvPicPr>
         <p:blipFill rotWithShape="1">
-          <a:blip r:embed="rId3" cstate="print">
-            <a:extLst>
-              <a:ext uri="{28A0092B-C50C-407E-A947-70E740481C1C}">
-                <a14:useLocalDpi xmlns:a14="http://schemas.microsoft.com/office/drawing/2010/main" val="0"/>
-              </a:ext>
-            </a:extLst>
-          </a:blip>
-          <a:srcRect l="16436" t="8536" r="16029" b="30822"/>
-          <a:stretch>
-            <a:fillRect/>
-          </a:stretch>
+          <a:blip r:embed="rId3"/>
+          <a:srcRect l="1060" r="1060"/>
+          <a:stretch/>
         </p:blipFill>
         <p:spPr>
           <a:xfrm>
@@ -13322,7 +13436,7 @@
             <p:ph idx="1"/>
             <p:extLst>
               <p:ext uri="{D42A27DB-BD31-4B8C-83A1-F6EECF244321}">
-                <p14:modId xmlns:p14="http://schemas.microsoft.com/office/powerpoint/2010/main" val="2377184952"/>
+                <p14:modId xmlns:p14="http://schemas.microsoft.com/office/powerpoint/2010/main" val="3151128485"/>
               </p:ext>
             </p:extLst>
           </p:nvPr>
@@ -13370,7 +13484,8 @@
                 <a:solidFill>
                   <a:schemeClr val="dk1"/>
                 </a:solidFill>
-                <a:latin typeface="宋体" panose="02010600030101010101" pitchFamily="2" charset="-122"/>
+                <a:latin typeface="微软雅黑" panose="020B0503020204020204" pitchFamily="34" charset="-122"/>
+                <a:ea typeface="微软雅黑" panose="020B0503020204020204" pitchFamily="34" charset="-122"/>
                 <a:cs typeface="宋体" panose="02010600030101010101" pitchFamily="2" charset="-122"/>
                 <a:sym typeface="Calibri" panose="020F0502020204030204"/>
               </a:rPr>
@@ -13380,8 +13495,8 @@
               <a:solidFill>
                 <a:schemeClr val="dk1"/>
               </a:solidFill>
-              <a:latin typeface="宋体" panose="02010600030101010101" pitchFamily="2" charset="-122"/>
-              <a:ea typeface="宋体" panose="02010600030101010101" pitchFamily="2" charset="-122"/>
+              <a:latin typeface="微软雅黑" panose="020B0503020204020204" pitchFamily="34" charset="-122"/>
+              <a:ea typeface="微软雅黑" panose="020B0503020204020204" pitchFamily="34" charset="-122"/>
               <a:cs typeface="宋体" panose="02010600030101010101" pitchFamily="2" charset="-122"/>
               <a:sym typeface="Calibri" panose="020F0502020204030204"/>
             </a:endParaRPr>
@@ -13420,7 +13535,8 @@
             </a:pPr>
             <a:r>
               <a:rPr lang="en-US" sz="4000" dirty="0">
-                <a:latin typeface="宋体" panose="02010600030101010101" pitchFamily="2" charset="-122"/>
+                <a:latin typeface="微软雅黑 Light" panose="020B0502040204020203" pitchFamily="34" charset="-122"/>
+                <a:ea typeface="微软雅黑 Light" panose="020B0502040204020203" pitchFamily="34" charset="-122"/>
                 <a:cs typeface="宋体" panose="02010600030101010101" pitchFamily="2" charset="-122"/>
               </a:rPr>
               <a:t>specification</a:t>
@@ -13429,7 +13545,8 @@
               <a:solidFill>
                 <a:schemeClr val="dk1"/>
               </a:solidFill>
-              <a:ea typeface="宋体" panose="02010600030101010101" pitchFamily="2" charset="-122"/>
+              <a:latin typeface="微软雅黑 Light" panose="020B0502040204020203" pitchFamily="34" charset="-122"/>
+              <a:ea typeface="微软雅黑 Light" panose="020B0502040204020203" pitchFamily="34" charset="-122"/>
               <a:cs typeface="宋体" panose="02010600030101010101" pitchFamily="2" charset="-122"/>
               <a:sym typeface="Calibri" panose="020F0502020204030204"/>
             </a:endParaRPr>
@@ -13470,8 +13587,8 @@
         </p:nvSpPr>
         <p:spPr>
           <a:xfrm>
-            <a:off x="16955248" y="2775990"/>
-            <a:ext cx="7061171" cy="656590"/>
+            <a:off x="16955248" y="2560546"/>
+            <a:ext cx="7061171" cy="872034"/>
           </a:xfrm>
           <a:prstGeom prst="rect">
             <a:avLst/>
@@ -13497,13 +13614,17 @@
           <a:p>
             <a:pPr algn="l"/>
             <a:r>
-              <a:rPr lang="en-US" cap="all" dirty="0">
-                <a:latin typeface="宋体" panose="02010600030101010101" pitchFamily="2" charset="-122"/>
+              <a:rPr lang="en-US" sz="5000" cap="all" dirty="0">
+                <a:latin typeface="微软雅黑" panose="020B0503020204020204" pitchFamily="34" charset="-122"/>
+                <a:ea typeface="微软雅黑" panose="020B0503020204020204" pitchFamily="34" charset="-122"/>
                 <a:cs typeface="宋体" panose="02010600030101010101" pitchFamily="2" charset="-122"/>
               </a:rPr>
               <a:t>title</a:t>
             </a:r>
-            <a:endParaRPr lang="zh-CN" cap="all" dirty="0"/>
+            <a:endParaRPr lang="zh-CN" sz="5000" cap="all" dirty="0">
+              <a:latin typeface="微软雅黑" panose="020B0503020204020204" pitchFamily="34" charset="-122"/>
+              <a:ea typeface="微软雅黑" panose="020B0503020204020204" pitchFamily="34" charset="-122"/>
+            </a:endParaRPr>
           </a:p>
         </p:txBody>
       </p:sp>
@@ -13516,7 +13637,7 @@
         <p:spPr>
           <a:xfrm>
             <a:off x="16981699" y="4389120"/>
-            <a:ext cx="7008270" cy="1877437"/>
+            <a:ext cx="7008270" cy="2123658"/>
           </a:xfrm>
           <a:prstGeom prst="rect">
             <a:avLst/>
@@ -13541,16 +13662,18 @@
           </a:lstStyle>
           <a:p>
             <a:r>
-              <a:rPr lang="en-US" sz="2800" dirty="0">
-                <a:latin typeface="宋体" panose="02010600030101010101" pitchFamily="2" charset="-122"/>
+              <a:rPr lang="en-US" sz="3200" dirty="0">
+                <a:latin typeface="微软雅黑 Light" panose="020B0502040204020203" pitchFamily="34" charset="-122"/>
+                <a:ea typeface="微软雅黑 Light" panose="020B0502040204020203" pitchFamily="34" charset="-122"/>
                 <a:cs typeface="宋体" panose="02010600030101010101" pitchFamily="2" charset="-122"/>
               </a:rPr>
               <a:t>description</a:t>
             </a:r>
           </a:p>
           <a:p>
-            <a:endParaRPr lang="zh-CN" sz="2800" dirty="0">
-              <a:latin typeface="宋体" panose="02010600030101010101" pitchFamily="2" charset="-122"/>
+            <a:endParaRPr lang="zh-CN" sz="3200" dirty="0">
+              <a:latin typeface="微软雅黑 Light" panose="020B0502040204020203" pitchFamily="34" charset="-122"/>
+              <a:ea typeface="微软雅黑 Light" panose="020B0502040204020203" pitchFamily="34" charset="-122"/>
             </a:endParaRPr>
           </a:p>
           <a:p>
@@ -13562,16 +13685,18 @@
               <a:buAutoNum type="arabicPeriod"/>
             </a:pPr>
             <a:r>
-              <a:rPr lang="en-US" sz="2800" dirty="0">
-                <a:latin typeface="宋体" panose="02010600030101010101" pitchFamily="2" charset="-122"/>
+              <a:rPr lang="en-US" sz="3200" dirty="0">
+                <a:latin typeface="微软雅黑 Light" panose="020B0502040204020203" pitchFamily="34" charset="-122"/>
+                <a:ea typeface="微软雅黑 Light" panose="020B0502040204020203" pitchFamily="34" charset="-122"/>
                 <a:cs typeface="宋体" panose="02010600030101010101" pitchFamily="2" charset="-122"/>
               </a:rPr>
               <a:t>list</a:t>
             </a:r>
           </a:p>
           <a:p>
-            <a:endParaRPr lang="zh-CN" sz="2800" dirty="0">
-              <a:latin typeface="宋体" panose="02010600030101010101" pitchFamily="2" charset="-122"/>
+            <a:endParaRPr lang="zh-CN" sz="3200" dirty="0">
+              <a:latin typeface="微软雅黑 Light" panose="020B0502040204020203" pitchFamily="34" charset="-122"/>
+              <a:ea typeface="微软雅黑 Light" panose="020B0502040204020203" pitchFamily="34" charset="-122"/>
             </a:endParaRPr>
           </a:p>
         </p:txBody>
@@ -13625,17 +13750,9 @@
           <p:nvPr/>
         </p:nvPicPr>
         <p:blipFill rotWithShape="1">
-          <a:blip r:embed="rId3" cstate="print">
-            <a:extLst>
-              <a:ext uri="{28A0092B-C50C-407E-A947-70E740481C1C}">
-                <a14:useLocalDpi xmlns:a14="http://schemas.microsoft.com/office/drawing/2010/main" val="0"/>
-              </a:ext>
-            </a:extLst>
-          </a:blip>
-          <a:srcRect l="16436" t="8536" r="16029" b="30822"/>
-          <a:stretch>
-            <a:fillRect/>
-          </a:stretch>
+          <a:blip r:embed="rId3"/>
+          <a:srcRect l="1060" r="1060"/>
+          <a:stretch/>
         </p:blipFill>
         <p:spPr>
           <a:xfrm>
@@ -13706,7 +13823,8 @@
             </a:pPr>
             <a:r>
               <a:rPr lang="en-US" sz="2800" dirty="0">
-                <a:latin typeface="宋体" panose="02010600030101010101" pitchFamily="2" charset="-122"/>
+                <a:latin typeface="微软雅黑 Light" panose="020B0502040204020203" pitchFamily="34" charset="-122"/>
+                <a:ea typeface="微软雅黑 Light" panose="020B0502040204020203" pitchFamily="34" charset="-122"/>
                 <a:cs typeface="宋体" panose="02010600030101010101" pitchFamily="2" charset="-122"/>
               </a:rPr>
               <a:t>specification</a:t>
@@ -13720,6 +13838,8 @@
               </a:solidFill>
               <a:effectLst/>
               <a:uFillTx/>
+              <a:latin typeface="微软雅黑 Light" panose="020B0502040204020203" pitchFamily="34" charset="-122"/>
+              <a:ea typeface="微软雅黑 Light" panose="020B0502040204020203" pitchFamily="34" charset="-122"/>
               <a:sym typeface="Helvetica Light"/>
             </a:endParaRPr>
           </a:p>
@@ -13740,17 +13860,9 @@
           <p:nvPr/>
         </p:nvPicPr>
         <p:blipFill rotWithShape="1">
-          <a:blip r:embed="rId3" cstate="print">
-            <a:extLst>
-              <a:ext uri="{28A0092B-C50C-407E-A947-70E740481C1C}">
-                <a14:useLocalDpi xmlns:a14="http://schemas.microsoft.com/office/drawing/2010/main" val="0"/>
-              </a:ext>
-            </a:extLst>
-          </a:blip>
-          <a:srcRect l="16436" t="8536" r="16029" b="30822"/>
-          <a:stretch>
-            <a:fillRect/>
-          </a:stretch>
+          <a:blip r:embed="rId3"/>
+          <a:srcRect l="1060" r="1060"/>
+          <a:stretch/>
         </p:blipFill>
         <p:spPr>
           <a:xfrm>
@@ -13827,6 +13939,8 @@
                 <a:solidFill>
                   <a:srgbClr val="000000"/>
                 </a:solidFill>
+                <a:latin typeface="微软雅黑" panose="020B0503020204020204" pitchFamily="34" charset="-122"/>
+                <a:ea typeface="微软雅黑" panose="020B0503020204020204" pitchFamily="34" charset="-122"/>
               </a:rPr>
               <a:t>title</a:t>
             </a:r>
@@ -13834,6 +13948,8 @@
               <a:solidFill>
                 <a:srgbClr val="000000"/>
               </a:solidFill>
+              <a:latin typeface="微软雅黑" panose="020B0503020204020204" pitchFamily="34" charset="-122"/>
+              <a:ea typeface="微软雅黑" panose="020B0503020204020204" pitchFamily="34" charset="-122"/>
             </a:endParaRPr>
           </a:p>
         </p:txBody>
@@ -13847,7 +13963,7 @@
         <p:spPr>
           <a:xfrm>
             <a:off x="1752107" y="6041885"/>
-            <a:ext cx="9326880" cy="1549142"/>
+            <a:ext cx="9326880" cy="1733808"/>
           </a:xfrm>
           <a:prstGeom prst="rect">
             <a:avLst/>
@@ -13872,13 +13988,17 @@
           </a:lstStyle>
           <a:p>
             <a:r>
-              <a:rPr lang="en-US" altLang="zh-CN" sz="2800" dirty="0">
-                <a:latin typeface="宋体" panose="02010600030101010101" pitchFamily="2" charset="-122"/>
+              <a:rPr lang="en-US" altLang="zh-CN" sz="3200" dirty="0">
+                <a:latin typeface="微软雅黑 Light" panose="020B0502040204020203" pitchFamily="34" charset="-122"/>
+                <a:ea typeface="微软雅黑 Light" panose="020B0502040204020203" pitchFamily="34" charset="-122"/>
                 <a:cs typeface="宋体" panose="02010600030101010101" pitchFamily="2" charset="-122"/>
               </a:rPr>
               <a:t>content</a:t>
             </a:r>
-            <a:endParaRPr lang="zh-CN" sz="2800" dirty="0"/>
+            <a:endParaRPr lang="zh-CN" sz="3200" dirty="0">
+              <a:latin typeface="微软雅黑 Light" panose="020B0502040204020203" pitchFamily="34" charset="-122"/>
+              <a:ea typeface="微软雅黑 Light" panose="020B0502040204020203" pitchFamily="34" charset="-122"/>
+            </a:endParaRPr>
           </a:p>
           <a:p>
             <a:pPr marL="457200" indent="-457200">
@@ -13892,16 +14012,23 @@
               <a:buChar char="•"/>
             </a:pPr>
             <a:r>
-              <a:rPr lang="en-US" altLang="zh-CN" sz="2800" dirty="0">
-                <a:latin typeface="宋体" panose="02010600030101010101" pitchFamily="2" charset="-122"/>
+              <a:rPr lang="en-US" altLang="zh-CN" sz="3200" dirty="0">
+                <a:latin typeface="微软雅黑 Light" panose="020B0502040204020203" pitchFamily="34" charset="-122"/>
+                <a:ea typeface="微软雅黑 Light" panose="020B0502040204020203" pitchFamily="34" charset="-122"/>
                 <a:cs typeface="宋体" panose="02010600030101010101" pitchFamily="2" charset="-122"/>
               </a:rPr>
               <a:t>list</a:t>
             </a:r>
-            <a:endParaRPr lang="zh-CN" sz="2800" dirty="0"/>
+            <a:endParaRPr lang="zh-CN" sz="3200" dirty="0">
+              <a:latin typeface="微软雅黑 Light" panose="020B0502040204020203" pitchFamily="34" charset="-122"/>
+              <a:ea typeface="微软雅黑 Light" panose="020B0502040204020203" pitchFamily="34" charset="-122"/>
+            </a:endParaRPr>
           </a:p>
           <a:p>
-            <a:endParaRPr lang="zh-CN" sz="2800" dirty="0"/>
+            <a:endParaRPr lang="zh-CN" sz="3200" dirty="0">
+              <a:latin typeface="微软雅黑 Light" panose="020B0502040204020203" pitchFamily="34" charset="-122"/>
+              <a:ea typeface="微软雅黑 Light" panose="020B0502040204020203" pitchFamily="34" charset="-122"/>
+            </a:endParaRPr>
           </a:p>
         </p:txBody>
       </p:sp>
@@ -13961,17 +14088,9 @@
           <p:nvPr/>
         </p:nvPicPr>
         <p:blipFill rotWithShape="1">
-          <a:blip r:embed="rId3" cstate="print">
-            <a:extLst>
-              <a:ext uri="{28A0092B-C50C-407E-A947-70E740481C1C}">
-                <a14:useLocalDpi xmlns:a14="http://schemas.microsoft.com/office/drawing/2010/main" val="0"/>
-              </a:ext>
-            </a:extLst>
-          </a:blip>
-          <a:srcRect l="16436" t="8536" r="16029" b="30822"/>
-          <a:stretch>
-            <a:fillRect/>
-          </a:stretch>
+          <a:blip r:embed="rId3"/>
+          <a:srcRect l="1060" r="1060"/>
+          <a:stretch/>
         </p:blipFill>
         <p:spPr>
           <a:xfrm>
@@ -13990,7 +14109,7 @@
           <p:nvPr>
             <p:extLst>
               <p:ext uri="{D42A27DB-BD31-4B8C-83A1-F6EECF244321}">
-                <p14:modId xmlns:p14="http://schemas.microsoft.com/office/powerpoint/2010/main" val="1427222041"/>
+                <p14:modId xmlns:p14="http://schemas.microsoft.com/office/powerpoint/2010/main" val="1741165837"/>
               </p:ext>
             </p:extLst>
           </p:nvPr>
@@ -14040,7 +14159,7 @@
         <p:spPr>
           <a:xfrm>
             <a:off x="2891854" y="10859613"/>
-            <a:ext cx="7863840" cy="533479"/>
+            <a:ext cx="7863840" cy="595035"/>
           </a:xfrm>
           <a:prstGeom prst="rect">
             <a:avLst/>
@@ -14065,13 +14184,17 @@
           </a:lstStyle>
           <a:p>
             <a:r>
-              <a:rPr lang="en-US" altLang="zh-CN" sz="2800" dirty="0">
-                <a:latin typeface="宋体" panose="02010600030101010101" pitchFamily="2" charset="-122"/>
+              <a:rPr lang="en-US" altLang="zh-CN" sz="3200" dirty="0">
+                <a:latin typeface="微软雅黑 Light" panose="020B0502040204020203" pitchFamily="34" charset="-122"/>
+                <a:ea typeface="微软雅黑 Light" panose="020B0502040204020203" pitchFamily="34" charset="-122"/>
                 <a:cs typeface="宋体" panose="02010600030101010101" pitchFamily="2" charset="-122"/>
               </a:rPr>
               <a:t>content</a:t>
             </a:r>
-            <a:endParaRPr lang="zh-CN" sz="2800" dirty="0"/>
+            <a:endParaRPr lang="zh-CN" sz="3200" dirty="0">
+              <a:latin typeface="微软雅黑 Light" panose="020B0502040204020203" pitchFamily="34" charset="-122"/>
+              <a:ea typeface="微软雅黑 Light" panose="020B0502040204020203" pitchFamily="34" charset="-122"/>
+            </a:endParaRPr>
           </a:p>
         </p:txBody>
       </p:sp>
@@ -14084,7 +14207,7 @@
         <p:spPr>
           <a:xfrm>
             <a:off x="13686853" y="10859613"/>
-            <a:ext cx="7805274" cy="533479"/>
+            <a:ext cx="7805274" cy="595035"/>
           </a:xfrm>
           <a:prstGeom prst="rect">
             <a:avLst/>
@@ -14109,13 +14232,17 @@
           </a:lstStyle>
           <a:p>
             <a:r>
-              <a:rPr lang="en-US" altLang="zh-CN" sz="2800" dirty="0">
-                <a:latin typeface="宋体" panose="02010600030101010101" pitchFamily="2" charset="-122"/>
+              <a:rPr lang="en-US" altLang="zh-CN" sz="3200" dirty="0">
+                <a:latin typeface="微软雅黑 Light" panose="020B0502040204020203" pitchFamily="34" charset="-122"/>
+                <a:ea typeface="微软雅黑 Light" panose="020B0502040204020203" pitchFamily="34" charset="-122"/>
                 <a:cs typeface="宋体" panose="02010600030101010101" pitchFamily="2" charset="-122"/>
               </a:rPr>
               <a:t>content</a:t>
             </a:r>
-            <a:endParaRPr lang="zh-CN" sz="2800" dirty="0"/>
+            <a:endParaRPr lang="zh-CN" sz="3200" dirty="0">
+              <a:latin typeface="微软雅黑 Light" panose="020B0502040204020203" pitchFamily="34" charset="-122"/>
+              <a:ea typeface="微软雅黑 Light" panose="020B0502040204020203" pitchFamily="34" charset="-122"/>
+            </a:endParaRPr>
           </a:p>
         </p:txBody>
       </p:sp>
@@ -14127,8 +14254,8 @@
         </p:nvSpPr>
         <p:spPr>
           <a:xfrm>
-            <a:off x="5653674" y="9692640"/>
-            <a:ext cx="1705595" cy="872034"/>
+            <a:off x="5864468" y="9692640"/>
+            <a:ext cx="1284006" cy="872034"/>
           </a:xfrm>
           <a:prstGeom prst="rect">
             <a:avLst/>
@@ -14155,12 +14282,16 @@
             <a:pPr algn="ctr"/>
             <a:r>
               <a:rPr lang="en-US" altLang="zh-CN" sz="5000" dirty="0">
-                <a:latin typeface="宋体" panose="02010600030101010101" pitchFamily="2" charset="-122"/>
+                <a:latin typeface="微软雅黑" panose="020B0503020204020204" pitchFamily="34" charset="-122"/>
+                <a:ea typeface="微软雅黑" panose="020B0503020204020204" pitchFamily="34" charset="-122"/>
                 <a:cs typeface="宋体" panose="02010600030101010101" pitchFamily="2" charset="-122"/>
               </a:rPr>
               <a:t>title</a:t>
             </a:r>
-            <a:endParaRPr lang="zh-CN" sz="5000" dirty="0"/>
+            <a:endParaRPr lang="zh-CN" sz="5000" dirty="0">
+              <a:latin typeface="微软雅黑" panose="020B0503020204020204" pitchFamily="34" charset="-122"/>
+              <a:ea typeface="微软雅黑" panose="020B0503020204020204" pitchFamily="34" charset="-122"/>
+            </a:endParaRPr>
           </a:p>
         </p:txBody>
       </p:sp>
@@ -14172,8 +14303,8 @@
         </p:nvSpPr>
         <p:spPr>
           <a:xfrm>
-            <a:off x="16712165" y="9692640"/>
-            <a:ext cx="1705595" cy="872034"/>
+            <a:off x="16922959" y="9692640"/>
+            <a:ext cx="1284006" cy="872034"/>
           </a:xfrm>
           <a:prstGeom prst="rect">
             <a:avLst/>
@@ -14200,12 +14331,16 @@
             <a:pPr algn="ctr"/>
             <a:r>
               <a:rPr lang="en-US" altLang="zh-CN" sz="5000" dirty="0">
-                <a:latin typeface="宋体" panose="02010600030101010101" pitchFamily="2" charset="-122"/>
+                <a:latin typeface="微软雅黑" panose="020B0503020204020204" pitchFamily="34" charset="-122"/>
+                <a:ea typeface="微软雅黑" panose="020B0503020204020204" pitchFamily="34" charset="-122"/>
                 <a:cs typeface="宋体" panose="02010600030101010101" pitchFamily="2" charset="-122"/>
               </a:rPr>
               <a:t>title</a:t>
             </a:r>
-            <a:endParaRPr lang="zh-CN" sz="5000" dirty="0"/>
+            <a:endParaRPr lang="zh-CN" sz="5000" dirty="0">
+              <a:latin typeface="微软雅黑" panose="020B0503020204020204" pitchFamily="34" charset="-122"/>
+              <a:ea typeface="微软雅黑" panose="020B0503020204020204" pitchFamily="34" charset="-122"/>
+            </a:endParaRPr>
           </a:p>
         </p:txBody>
       </p:sp>
@@ -14268,7 +14403,8 @@
             </a:pPr>
             <a:r>
               <a:rPr lang="en-US" altLang="zh-CN" sz="2800" dirty="0">
-                <a:latin typeface="宋体" panose="02010600030101010101" pitchFamily="2" charset="-122"/>
+                <a:latin typeface="微软雅黑 Light" panose="020B0502040204020203" pitchFamily="34" charset="-122"/>
+                <a:ea typeface="微软雅黑 Light" panose="020B0502040204020203" pitchFamily="34" charset="-122"/>
                 <a:cs typeface="宋体" panose="02010600030101010101" pitchFamily="2" charset="-122"/>
               </a:rPr>
               <a:t>specification</a:t>
@@ -14282,6 +14418,8 @@
               </a:solidFill>
               <a:effectLst/>
               <a:uFillTx/>
+              <a:latin typeface="微软雅黑 Light" panose="020B0502040204020203" pitchFamily="34" charset="-122"/>
+              <a:ea typeface="微软雅黑 Light" panose="020B0502040204020203" pitchFamily="34" charset="-122"/>
               <a:sym typeface="Helvetica Light"/>
             </a:endParaRPr>
           </a:p>
@@ -14354,7 +14492,8 @@
                 </a:solidFill>
                 <a:effectLst/>
                 <a:uFillTx/>
-                <a:latin typeface="宋体" panose="02010600030101010101" pitchFamily="2" charset="-122"/>
+                <a:latin typeface="微软雅黑 Light" panose="020B0502040204020203" pitchFamily="34" charset="-122"/>
+                <a:ea typeface="微软雅黑 Light" panose="020B0502040204020203" pitchFamily="34" charset="-122"/>
                 <a:sym typeface="Helvetica Light"/>
               </a:rPr>
               <a:t>specification</a:t>
@@ -14368,6 +14507,8 @@
               </a:solidFill>
               <a:effectLst/>
               <a:uFillTx/>
+              <a:latin typeface="微软雅黑 Light" panose="020B0502040204020203" pitchFamily="34" charset="-122"/>
+              <a:ea typeface="微软雅黑 Light" panose="020B0502040204020203" pitchFamily="34" charset="-122"/>
               <a:sym typeface="Helvetica Light"/>
             </a:endParaRPr>
           </a:p>
@@ -14382,17 +14523,9 @@
           <p:nvPr/>
         </p:nvPicPr>
         <p:blipFill rotWithShape="1">
-          <a:blip r:embed="rId3" cstate="print">
-            <a:extLst>
-              <a:ext uri="{28A0092B-C50C-407E-A947-70E740481C1C}">
-                <a14:useLocalDpi xmlns:a14="http://schemas.microsoft.com/office/drawing/2010/main" val="0"/>
-              </a:ext>
-            </a:extLst>
-          </a:blip>
-          <a:srcRect l="16436" t="8536" r="16029" b="30822"/>
-          <a:stretch>
-            <a:fillRect/>
-          </a:stretch>
+          <a:blip r:embed="rId3"/>
+          <a:srcRect l="1060" r="1060"/>
+          <a:stretch/>
         </p:blipFill>
         <p:spPr>
           <a:xfrm>
@@ -14419,17 +14552,9 @@
           <p:nvPr/>
         </p:nvPicPr>
         <p:blipFill rotWithShape="1">
-          <a:blip r:embed="rId3" cstate="print">
-            <a:extLst>
-              <a:ext uri="{28A0092B-C50C-407E-A947-70E740481C1C}">
-                <a14:useLocalDpi xmlns:a14="http://schemas.microsoft.com/office/drawing/2010/main" val="0"/>
-              </a:ext>
-            </a:extLst>
-          </a:blip>
-          <a:srcRect l="16436" t="8536" r="16029" b="30822"/>
-          <a:stretch>
-            <a:fillRect/>
-          </a:stretch>
+          <a:blip r:embed="rId3"/>
+          <a:srcRect l="1060" r="1060"/>
+          <a:stretch/>
         </p:blipFill>
         <p:spPr>
           <a:xfrm>
@@ -14456,17 +14581,9 @@
           <p:nvPr/>
         </p:nvPicPr>
         <p:blipFill rotWithShape="1">
-          <a:blip r:embed="rId3" cstate="print">
-            <a:extLst>
-              <a:ext uri="{28A0092B-C50C-407E-A947-70E740481C1C}">
-                <a14:useLocalDpi xmlns:a14="http://schemas.microsoft.com/office/drawing/2010/main" val="0"/>
-              </a:ext>
-            </a:extLst>
-          </a:blip>
-          <a:srcRect l="16436" t="8536" r="16029" b="30822"/>
-          <a:stretch>
-            <a:fillRect/>
-          </a:stretch>
+          <a:blip r:embed="rId3"/>
+          <a:srcRect l="1060" r="1060"/>
+          <a:stretch/>
         </p:blipFill>
         <p:spPr>
           <a:xfrm>
